--- a/Slides/Lesson 0.1 How to Learn in This Course.pptx
+++ b/Slides/Lesson 0.1 How to Learn in This Course.pptx
@@ -224,7 +224,7 @@
           <a:p>
             <a:fld id="{FF5194DA-5B46-4C21-B973-C13D42985E34}" type="datetimeFigureOut">
               <a:rPr lang="en-US" smtClean="0"/>
-              <a:t>7/29/2015</a:t>
+              <a:t>8/1/2015</a:t>
             </a:fld>
             <a:endParaRPr lang="en-US"/>
           </a:p>
@@ -801,7 +801,7 @@
                   </a:prstClr>
                 </a:solidFill>
               </a:rPr>
-              <a:t>7/29/2015</a:t>
+              <a:t>8/1/2015</a:t>
             </a:fld>
             <a:endParaRPr lang="en-US">
               <a:solidFill>
@@ -1092,7 +1092,7 @@
                   </a:prstClr>
                 </a:solidFill>
               </a:rPr>
-              <a:t>7/29/2015</a:t>
+              <a:t>8/1/2015</a:t>
             </a:fld>
             <a:endParaRPr lang="en-US">
               <a:solidFill>
@@ -1293,7 +1293,7 @@
                   </a:prstClr>
                 </a:solidFill>
               </a:rPr>
-              <a:t>7/29/2015</a:t>
+              <a:t>8/1/2015</a:t>
             </a:fld>
             <a:endParaRPr lang="en-US">
               <a:solidFill>
@@ -1504,7 +1504,7 @@
                   </a:prstClr>
                 </a:solidFill>
               </a:rPr>
-              <a:t>7/29/2015</a:t>
+              <a:t>8/1/2015</a:t>
             </a:fld>
             <a:endParaRPr lang="en-US">
               <a:solidFill>
@@ -1617,7 +1617,13 @@
             <p:ph type="title"/>
           </p:nvPr>
         </p:nvSpPr>
-        <p:spPr/>
+        <p:spPr>
+          <a:ln w="28575">
+            <a:solidFill>
+              <a:schemeClr val="accent1"/>
+            </a:solidFill>
+          </a:ln>
+        </p:spPr>
         <p:txBody>
           <a:bodyPr/>
           <a:lstStyle/>
@@ -1705,7 +1711,7 @@
                   </a:prstClr>
                 </a:solidFill>
               </a:rPr>
-              <a:t>7/29/2015</a:t>
+              <a:t>8/1/2015</a:t>
             </a:fld>
             <a:endParaRPr lang="en-US" dirty="0">
               <a:solidFill>
@@ -1861,7 +1867,7 @@
                   </a:prstClr>
                 </a:solidFill>
               </a:rPr>
-              <a:t>7/29/2015</a:t>
+              <a:t>8/1/2015</a:t>
             </a:fld>
             <a:endParaRPr lang="en-US">
               <a:solidFill>
@@ -2138,7 +2144,7 @@
                   </a:prstClr>
                 </a:solidFill>
               </a:rPr>
-              <a:t>7/29/2015</a:t>
+              <a:t>8/1/2015</a:t>
             </a:fld>
             <a:endParaRPr lang="en-US">
               <a:solidFill>
@@ -2457,7 +2463,7 @@
                   </a:prstClr>
                 </a:solidFill>
               </a:rPr>
-              <a:t>7/29/2015</a:t>
+              <a:t>8/1/2015</a:t>
             </a:fld>
             <a:endParaRPr lang="en-US">
               <a:solidFill>
@@ -2910,7 +2916,7 @@
                   </a:prstClr>
                 </a:solidFill>
               </a:rPr>
-              <a:t>7/29/2015</a:t>
+              <a:t>8/1/2015</a:t>
             </a:fld>
             <a:endParaRPr lang="en-US">
               <a:solidFill>
@@ -3059,7 +3065,7 @@
                   </a:prstClr>
                 </a:solidFill>
               </a:rPr>
-              <a:t>7/29/2015</a:t>
+              <a:t>8/1/2015</a:t>
             </a:fld>
             <a:endParaRPr lang="en-US">
               <a:solidFill>
@@ -3185,7 +3191,7 @@
                   </a:prstClr>
                 </a:solidFill>
               </a:rPr>
-              <a:t>7/29/2015</a:t>
+              <a:t>8/1/2015</a:t>
             </a:fld>
             <a:endParaRPr lang="en-US">
               <a:solidFill>
@@ -3493,7 +3499,7 @@
                   </a:prstClr>
                 </a:solidFill>
               </a:rPr>
-              <a:t>7/29/2015</a:t>
+              <a:t>8/1/2015</a:t>
             </a:fld>
             <a:endParaRPr lang="en-US">
               <a:solidFill>
@@ -3737,7 +3743,7 @@
                   </a:prstClr>
                 </a:solidFill>
               </a:rPr>
-              <a:t>7/29/2015</a:t>
+              <a:t>8/1/2015</a:t>
             </a:fld>
             <a:endParaRPr lang="en-US">
               <a:solidFill>
@@ -4865,15 +4871,7 @@
           <a:p>
             <a:r>
               <a:rPr lang="en-US" dirty="0" smtClean="0"/>
-              <a:t>Sometime during the week</a:t>
-            </a:r>
-            <a:r>
-              <a:rPr lang="en-US" dirty="0" smtClean="0"/>
-              <a:t>, </a:t>
-            </a:r>
-            <a:r>
-              <a:rPr lang="en-US" dirty="0" smtClean="0"/>
-              <a:t>you will be examined orally on your solution for about 15 minutes. </a:t>
+              <a:t>Sometime during the week, you will be examined orally on your solution for about 15 minutes. </a:t>
             </a:r>
           </a:p>
           <a:p>
